--- a/FINANCIAL SALES.pptx
+++ b/FINANCIAL SALES.pptx
@@ -268,7 +268,7 @@
           <a:p>
             <a:fld id="{D0AB8BA6-3209-4E6D-A21C-1F8ABDCD7197}" type="datetimeFigureOut">
               <a:rPr lang="en-IN" smtClean="0"/>
-              <a:t>08-08-2025</a:t>
+              <a:t>09-08-2025</a:t>
             </a:fld>
             <a:endParaRPr lang="en-IN"/>
           </a:p>
@@ -468,7 +468,7 @@
           <a:p>
             <a:fld id="{D0AB8BA6-3209-4E6D-A21C-1F8ABDCD7197}" type="datetimeFigureOut">
               <a:rPr lang="en-IN" smtClean="0"/>
-              <a:t>08-08-2025</a:t>
+              <a:t>09-08-2025</a:t>
             </a:fld>
             <a:endParaRPr lang="en-IN"/>
           </a:p>
@@ -678,7 +678,7 @@
           <a:p>
             <a:fld id="{D0AB8BA6-3209-4E6D-A21C-1F8ABDCD7197}" type="datetimeFigureOut">
               <a:rPr lang="en-IN" smtClean="0"/>
-              <a:t>08-08-2025</a:t>
+              <a:t>09-08-2025</a:t>
             </a:fld>
             <a:endParaRPr lang="en-IN"/>
           </a:p>
@@ -878,7 +878,7 @@
           <a:p>
             <a:fld id="{D0AB8BA6-3209-4E6D-A21C-1F8ABDCD7197}" type="datetimeFigureOut">
               <a:rPr lang="en-IN" smtClean="0"/>
-              <a:t>08-08-2025</a:t>
+              <a:t>09-08-2025</a:t>
             </a:fld>
             <a:endParaRPr lang="en-IN"/>
           </a:p>
@@ -1154,7 +1154,7 @@
           <a:p>
             <a:fld id="{D0AB8BA6-3209-4E6D-A21C-1F8ABDCD7197}" type="datetimeFigureOut">
               <a:rPr lang="en-IN" smtClean="0"/>
-              <a:t>08-08-2025</a:t>
+              <a:t>09-08-2025</a:t>
             </a:fld>
             <a:endParaRPr lang="en-IN"/>
           </a:p>
@@ -1422,7 +1422,7 @@
           <a:p>
             <a:fld id="{D0AB8BA6-3209-4E6D-A21C-1F8ABDCD7197}" type="datetimeFigureOut">
               <a:rPr lang="en-IN" smtClean="0"/>
-              <a:t>08-08-2025</a:t>
+              <a:t>09-08-2025</a:t>
             </a:fld>
             <a:endParaRPr lang="en-IN"/>
           </a:p>
@@ -1837,7 +1837,7 @@
           <a:p>
             <a:fld id="{D0AB8BA6-3209-4E6D-A21C-1F8ABDCD7197}" type="datetimeFigureOut">
               <a:rPr lang="en-IN" smtClean="0"/>
-              <a:t>08-08-2025</a:t>
+              <a:t>09-08-2025</a:t>
             </a:fld>
             <a:endParaRPr lang="en-IN"/>
           </a:p>
@@ -1979,7 +1979,7 @@
           <a:p>
             <a:fld id="{D0AB8BA6-3209-4E6D-A21C-1F8ABDCD7197}" type="datetimeFigureOut">
               <a:rPr lang="en-IN" smtClean="0"/>
-              <a:t>08-08-2025</a:t>
+              <a:t>09-08-2025</a:t>
             </a:fld>
             <a:endParaRPr lang="en-IN"/>
           </a:p>
@@ -2092,7 +2092,7 @@
           <a:p>
             <a:fld id="{D0AB8BA6-3209-4E6D-A21C-1F8ABDCD7197}" type="datetimeFigureOut">
               <a:rPr lang="en-IN" smtClean="0"/>
-              <a:t>08-08-2025</a:t>
+              <a:t>09-08-2025</a:t>
             </a:fld>
             <a:endParaRPr lang="en-IN"/>
           </a:p>
@@ -2405,7 +2405,7 @@
           <a:p>
             <a:fld id="{D0AB8BA6-3209-4E6D-A21C-1F8ABDCD7197}" type="datetimeFigureOut">
               <a:rPr lang="en-IN" smtClean="0"/>
-              <a:t>08-08-2025</a:t>
+              <a:t>09-08-2025</a:t>
             </a:fld>
             <a:endParaRPr lang="en-IN"/>
           </a:p>
@@ -2694,7 +2694,7 @@
           <a:p>
             <a:fld id="{D0AB8BA6-3209-4E6D-A21C-1F8ABDCD7197}" type="datetimeFigureOut">
               <a:rPr lang="en-IN" smtClean="0"/>
-              <a:t>08-08-2025</a:t>
+              <a:t>09-08-2025</a:t>
             </a:fld>
             <a:endParaRPr lang="en-IN"/>
           </a:p>
@@ -2937,7 +2937,7 @@
           <a:p>
             <a:fld id="{D0AB8BA6-3209-4E6D-A21C-1F8ABDCD7197}" type="datetimeFigureOut">
               <a:rPr lang="en-IN" smtClean="0"/>
-              <a:t>08-08-2025</a:t>
+              <a:t>09-08-2025</a:t>
             </a:fld>
             <a:endParaRPr lang="en-IN"/>
           </a:p>
@@ -4027,7 +4027,7 @@
           <a:p>
             <a:r>
               <a:rPr lang="en-US" dirty="0"/>
-              <a:t>CONCLUTION</a:t>
+              <a:t>CONCLUSION</a:t>
             </a:r>
             <a:endParaRPr lang="en-IN" dirty="0"/>
           </a:p>
